--- a/121/NMOP/draft-ietf-nmop-yang-message-broker-integration.pptx
+++ b/121/NMOP/draft-ietf-nmop-yang-message-broker-integration.pptx
@@ -138,7 +138,7 @@
   <pc:docChgLst>
     <pc:chgData name="Graf Thomas, INI-NET-VNC-HCS" userId="487bc3e3-9ce7-4cdd-b7b4-8899ea88d289" providerId="ADAL" clId="{4A5FA374-B22D-42F2-92D2-B0E98E7AE0F6}"/>
     <pc:docChg chg="undo custSel addSld delSld modSld sldOrd">
-      <pc:chgData name="Graf Thomas, INI-NET-VNC-HCS" userId="487bc3e3-9ce7-4cdd-b7b4-8899ea88d289" providerId="ADAL" clId="{4A5FA374-B22D-42F2-92D2-B0E98E7AE0F6}" dt="2024-10-25T11:51:36.368" v="1006"/>
+      <pc:chgData name="Graf Thomas, INI-NET-VNC-HCS" userId="487bc3e3-9ce7-4cdd-b7b4-8899ea88d289" providerId="ADAL" clId="{4A5FA374-B22D-42F2-92D2-B0E98E7AE0F6}" dt="2024-11-03T08:15:06.107" v="1012"/>
       <pc:docMkLst>
         <pc:docMk/>
       </pc:docMkLst>
@@ -180,7 +180,7 @@
         </pc:sldMkLst>
       </pc:sldChg>
       <pc:sldChg chg="ord">
-        <pc:chgData name="Graf Thomas, INI-NET-VNC-HCS" userId="487bc3e3-9ce7-4cdd-b7b4-8899ea88d289" providerId="ADAL" clId="{4A5FA374-B22D-42F2-92D2-B0E98E7AE0F6}" dt="2024-10-25T09:35:05.969" v="47"/>
+        <pc:chgData name="Graf Thomas, INI-NET-VNC-HCS" userId="487bc3e3-9ce7-4cdd-b7b4-8899ea88d289" providerId="ADAL" clId="{4A5FA374-B22D-42F2-92D2-B0E98E7AE0F6}" dt="2024-11-03T08:15:06.107" v="1012"/>
         <pc:sldMkLst>
           <pc:docMk/>
           <pc:sldMk cId="3864283889" sldId="2145706236"/>
@@ -1109,7 +1109,7 @@
           <a:p>
             <a:fld id="{E5E705E9-673F-4AC4-B29E-A7B26F3B8523}" type="datetimeFigureOut">
               <a:rPr lang="de-CH" smtClean="0"/>
-              <a:t>25.10.2024</a:t>
+              <a:t>03.11.2024</a:t>
             </a:fld>
             <a:endParaRPr lang="de-CH"/>
           </a:p>
@@ -1867,7 +1867,7 @@
           <a:p>
             <a:fld id="{9E9B238C-2335-4007-98C9-471C02CC43B6}" type="datetimeFigureOut">
               <a:rPr lang="de-CH" smtClean="0"/>
-              <a:t>25.10.2024</a:t>
+              <a:t>03.11.2024</a:t>
             </a:fld>
             <a:endParaRPr lang="de-CH"/>
           </a:p>
@@ -2067,7 +2067,7 @@
           <a:p>
             <a:fld id="{9E9B238C-2335-4007-98C9-471C02CC43B6}" type="datetimeFigureOut">
               <a:rPr lang="de-CH" smtClean="0"/>
-              <a:t>25.10.2024</a:t>
+              <a:t>03.11.2024</a:t>
             </a:fld>
             <a:endParaRPr lang="de-CH"/>
           </a:p>
@@ -2277,7 +2277,7 @@
           <a:p>
             <a:fld id="{9E9B238C-2335-4007-98C9-471C02CC43B6}" type="datetimeFigureOut">
               <a:rPr lang="de-CH" smtClean="0"/>
-              <a:t>25.10.2024</a:t>
+              <a:t>03.11.2024</a:t>
             </a:fld>
             <a:endParaRPr lang="de-CH"/>
           </a:p>
@@ -3719,7 +3719,7 @@
           <a:p>
             <a:fld id="{9E9B238C-2335-4007-98C9-471C02CC43B6}" type="datetimeFigureOut">
               <a:rPr lang="de-CH" smtClean="0"/>
-              <a:t>25.10.2024</a:t>
+              <a:t>03.11.2024</a:t>
             </a:fld>
             <a:endParaRPr lang="de-CH"/>
           </a:p>
@@ -3995,7 +3995,7 @@
           <a:p>
             <a:fld id="{9E9B238C-2335-4007-98C9-471C02CC43B6}" type="datetimeFigureOut">
               <a:rPr lang="de-CH" smtClean="0"/>
-              <a:t>25.10.2024</a:t>
+              <a:t>03.11.2024</a:t>
             </a:fld>
             <a:endParaRPr lang="de-CH"/>
           </a:p>
@@ -4263,7 +4263,7 @@
           <a:p>
             <a:fld id="{9E9B238C-2335-4007-98C9-471C02CC43B6}" type="datetimeFigureOut">
               <a:rPr lang="de-CH" smtClean="0"/>
-              <a:t>25.10.2024</a:t>
+              <a:t>03.11.2024</a:t>
             </a:fld>
             <a:endParaRPr lang="de-CH"/>
           </a:p>
@@ -4678,7 +4678,7 @@
           <a:p>
             <a:fld id="{9E9B238C-2335-4007-98C9-471C02CC43B6}" type="datetimeFigureOut">
               <a:rPr lang="de-CH" smtClean="0"/>
-              <a:t>25.10.2024</a:t>
+              <a:t>03.11.2024</a:t>
             </a:fld>
             <a:endParaRPr lang="de-CH"/>
           </a:p>
@@ -4820,7 +4820,7 @@
           <a:p>
             <a:fld id="{9E9B238C-2335-4007-98C9-471C02CC43B6}" type="datetimeFigureOut">
               <a:rPr lang="de-CH" smtClean="0"/>
-              <a:t>25.10.2024</a:t>
+              <a:t>03.11.2024</a:t>
             </a:fld>
             <a:endParaRPr lang="de-CH"/>
           </a:p>
@@ -4933,7 +4933,7 @@
           <a:p>
             <a:fld id="{9E9B238C-2335-4007-98C9-471C02CC43B6}" type="datetimeFigureOut">
               <a:rPr lang="de-CH" smtClean="0"/>
-              <a:t>25.10.2024</a:t>
+              <a:t>03.11.2024</a:t>
             </a:fld>
             <a:endParaRPr lang="de-CH"/>
           </a:p>
@@ -5246,7 +5246,7 @@
           <a:p>
             <a:fld id="{9E9B238C-2335-4007-98C9-471C02CC43B6}" type="datetimeFigureOut">
               <a:rPr lang="de-CH" smtClean="0"/>
-              <a:t>25.10.2024</a:t>
+              <a:t>03.11.2024</a:t>
             </a:fld>
             <a:endParaRPr lang="de-CH"/>
           </a:p>
@@ -5535,7 +5535,7 @@
           <a:p>
             <a:fld id="{9E9B238C-2335-4007-98C9-471C02CC43B6}" type="datetimeFigureOut">
               <a:rPr lang="de-CH" smtClean="0"/>
-              <a:t>25.10.2024</a:t>
+              <a:t>03.11.2024</a:t>
             </a:fld>
             <a:endParaRPr lang="de-CH"/>
           </a:p>
@@ -5778,7 +5778,7 @@
           <a:p>
             <a:fld id="{9E9B238C-2335-4007-98C9-471C02CC43B6}" type="datetimeFigureOut">
               <a:rPr lang="de-CH" smtClean="0"/>
-              <a:t>25.10.2024</a:t>
+              <a:t>03.11.2024</a:t>
             </a:fld>
             <a:endParaRPr lang="de-CH"/>
           </a:p>
